--- a/ppt 16-9/0383.呼唤.pptx
+++ b/ppt 16-9/0383.呼唤.pptx
@@ -129,7 +129,7 @@
           <p:cNvPr id="2" name="标题 1">
             <a:extLst>
               <a:ext uri="{FF2B5EF4-FFF2-40B4-BE49-F238E27FC236}">
-                <a16:creationId xmlns:a16="http://schemas.microsoft.com/office/drawing/2014/main" id="{AD372D29-8046-E410-90FB-01A2873F0087}"/>
+                <a16:creationId xmlns:a16="http://schemas.microsoft.com/office/drawing/2014/main" id="{A46E519C-208F-8B72-6C44-D891D9FF8F96}"/>
               </a:ext>
             </a:extLst>
           </p:cNvPr>
@@ -166,7 +166,7 @@
           <p:cNvPr id="3" name="副标题 2">
             <a:extLst>
               <a:ext uri="{FF2B5EF4-FFF2-40B4-BE49-F238E27FC236}">
-                <a16:creationId xmlns:a16="http://schemas.microsoft.com/office/drawing/2014/main" id="{BC6D08AD-E21D-C698-FA75-9C6616A99DAB}"/>
+                <a16:creationId xmlns:a16="http://schemas.microsoft.com/office/drawing/2014/main" id="{F1B4399C-8EF8-DBEE-18A9-CD58C56807F3}"/>
               </a:ext>
             </a:extLst>
           </p:cNvPr>
@@ -236,7 +236,7 @@
           <p:cNvPr id="4" name="日期占位符 3">
             <a:extLst>
               <a:ext uri="{FF2B5EF4-FFF2-40B4-BE49-F238E27FC236}">
-                <a16:creationId xmlns:a16="http://schemas.microsoft.com/office/drawing/2014/main" id="{5BE4363E-31A8-0991-F2E9-9ABE57999383}"/>
+                <a16:creationId xmlns:a16="http://schemas.microsoft.com/office/drawing/2014/main" id="{E8815DB7-BB51-879C-DE72-30411AF4968B}"/>
               </a:ext>
             </a:extLst>
           </p:cNvPr>
@@ -252,7 +252,7 @@
           <a:bodyPr/>
           <a:lstStyle/>
           <a:p>
-            <a:fld id="{221E2B2E-A85B-4B8F-BCA8-F643A73CDCAF}" type="datetimeFigureOut">
+            <a:fld id="{9558D693-AD6A-4CC5-B11D-6B31046D8E3E}" type="datetimeFigureOut">
               <a:rPr lang="zh-CN" altLang="en-US" smtClean="0"/>
               <a:t>2024/3/10</a:t>
             </a:fld>
@@ -265,7 +265,7 @@
           <p:cNvPr id="5" name="页脚占位符 4">
             <a:extLst>
               <a:ext uri="{FF2B5EF4-FFF2-40B4-BE49-F238E27FC236}">
-                <a16:creationId xmlns:a16="http://schemas.microsoft.com/office/drawing/2014/main" id="{28D0D3B1-0618-6743-28DD-A8E5143B97DD}"/>
+                <a16:creationId xmlns:a16="http://schemas.microsoft.com/office/drawing/2014/main" id="{79317A44-C9C0-29DE-75D9-5BECBFEC68DF}"/>
               </a:ext>
             </a:extLst>
           </p:cNvPr>
@@ -290,7 +290,7 @@
           <p:cNvPr id="6" name="灯片编号占位符 5">
             <a:extLst>
               <a:ext uri="{FF2B5EF4-FFF2-40B4-BE49-F238E27FC236}">
-                <a16:creationId xmlns:a16="http://schemas.microsoft.com/office/drawing/2014/main" id="{A86989A2-52C8-4AC6-EC85-F0AD5075ADAA}"/>
+                <a16:creationId xmlns:a16="http://schemas.microsoft.com/office/drawing/2014/main" id="{922A40AE-E2B6-6A3E-8C4C-049E17FA2F89}"/>
               </a:ext>
             </a:extLst>
           </p:cNvPr>
@@ -306,7 +306,7 @@
           <a:bodyPr/>
           <a:lstStyle/>
           <a:p>
-            <a:fld id="{73F345B1-6DF5-451C-9502-6DE486C02A3C}" type="slidenum">
+            <a:fld id="{53AFA440-568E-453D-8B85-F325C80BC927}" type="slidenum">
               <a:rPr lang="zh-CN" altLang="en-US" smtClean="0"/>
               <a:t>‹#›</a:t>
             </a:fld>
@@ -317,7 +317,7 @@
     </p:spTree>
     <p:extLst>
       <p:ext uri="{BB962C8B-B14F-4D97-AF65-F5344CB8AC3E}">
-        <p14:creationId xmlns:p14="http://schemas.microsoft.com/office/powerpoint/2010/main" val="1510490871"/>
+        <p14:creationId xmlns:p14="http://schemas.microsoft.com/office/powerpoint/2010/main" val="4124106204"/>
       </p:ext>
     </p:extLst>
   </p:cSld>
@@ -349,7 +349,7 @@
           <p:cNvPr id="2" name="标题 1">
             <a:extLst>
               <a:ext uri="{FF2B5EF4-FFF2-40B4-BE49-F238E27FC236}">
-                <a16:creationId xmlns:a16="http://schemas.microsoft.com/office/drawing/2014/main" id="{76C74534-CD1D-7DA9-F576-5888EFD13FAC}"/>
+                <a16:creationId xmlns:a16="http://schemas.microsoft.com/office/drawing/2014/main" id="{FA9F9037-AFB1-AF2F-0EBB-3C62FD20C47A}"/>
               </a:ext>
             </a:extLst>
           </p:cNvPr>
@@ -377,7 +377,7 @@
           <p:cNvPr id="3" name="竖排文字占位符 2">
             <a:extLst>
               <a:ext uri="{FF2B5EF4-FFF2-40B4-BE49-F238E27FC236}">
-                <a16:creationId xmlns:a16="http://schemas.microsoft.com/office/drawing/2014/main" id="{E7B1DFF2-E805-DB02-643D-2B4932FA295C}"/>
+                <a16:creationId xmlns:a16="http://schemas.microsoft.com/office/drawing/2014/main" id="{04E856AF-FB41-D15C-2480-D46E4D7EC8EF}"/>
               </a:ext>
             </a:extLst>
           </p:cNvPr>
@@ -434,7 +434,7 @@
           <p:cNvPr id="4" name="日期占位符 3">
             <a:extLst>
               <a:ext uri="{FF2B5EF4-FFF2-40B4-BE49-F238E27FC236}">
-                <a16:creationId xmlns:a16="http://schemas.microsoft.com/office/drawing/2014/main" id="{183F1255-AC81-7693-AF77-3D5C26E5E697}"/>
+                <a16:creationId xmlns:a16="http://schemas.microsoft.com/office/drawing/2014/main" id="{18E1A73F-846F-EF15-CB91-119593B9ABAA}"/>
               </a:ext>
             </a:extLst>
           </p:cNvPr>
@@ -450,7 +450,7 @@
           <a:bodyPr/>
           <a:lstStyle/>
           <a:p>
-            <a:fld id="{221E2B2E-A85B-4B8F-BCA8-F643A73CDCAF}" type="datetimeFigureOut">
+            <a:fld id="{9558D693-AD6A-4CC5-B11D-6B31046D8E3E}" type="datetimeFigureOut">
               <a:rPr lang="zh-CN" altLang="en-US" smtClean="0"/>
               <a:t>2024/3/10</a:t>
             </a:fld>
@@ -463,7 +463,7 @@
           <p:cNvPr id="5" name="页脚占位符 4">
             <a:extLst>
               <a:ext uri="{FF2B5EF4-FFF2-40B4-BE49-F238E27FC236}">
-                <a16:creationId xmlns:a16="http://schemas.microsoft.com/office/drawing/2014/main" id="{E40BF346-CE58-9A72-3F19-2ECB47AE9CC6}"/>
+                <a16:creationId xmlns:a16="http://schemas.microsoft.com/office/drawing/2014/main" id="{B3289E38-9078-A99F-0858-EBC266364338}"/>
               </a:ext>
             </a:extLst>
           </p:cNvPr>
@@ -488,7 +488,7 @@
           <p:cNvPr id="6" name="灯片编号占位符 5">
             <a:extLst>
               <a:ext uri="{FF2B5EF4-FFF2-40B4-BE49-F238E27FC236}">
-                <a16:creationId xmlns:a16="http://schemas.microsoft.com/office/drawing/2014/main" id="{34286E2E-3AE1-2ABC-C1C6-83FAE1EC2F3D}"/>
+                <a16:creationId xmlns:a16="http://schemas.microsoft.com/office/drawing/2014/main" id="{EDD2490F-8B81-AB26-E1A8-42560F29478F}"/>
               </a:ext>
             </a:extLst>
           </p:cNvPr>
@@ -504,7 +504,7 @@
           <a:bodyPr/>
           <a:lstStyle/>
           <a:p>
-            <a:fld id="{73F345B1-6DF5-451C-9502-6DE486C02A3C}" type="slidenum">
+            <a:fld id="{53AFA440-568E-453D-8B85-F325C80BC927}" type="slidenum">
               <a:rPr lang="zh-CN" altLang="en-US" smtClean="0"/>
               <a:t>‹#›</a:t>
             </a:fld>
@@ -515,7 +515,7 @@
     </p:spTree>
     <p:extLst>
       <p:ext uri="{BB962C8B-B14F-4D97-AF65-F5344CB8AC3E}">
-        <p14:creationId xmlns:p14="http://schemas.microsoft.com/office/powerpoint/2010/main" val="1241671607"/>
+        <p14:creationId xmlns:p14="http://schemas.microsoft.com/office/powerpoint/2010/main" val="2573451803"/>
       </p:ext>
     </p:extLst>
   </p:cSld>
@@ -547,7 +547,7 @@
           <p:cNvPr id="2" name="竖排标题 1">
             <a:extLst>
               <a:ext uri="{FF2B5EF4-FFF2-40B4-BE49-F238E27FC236}">
-                <a16:creationId xmlns:a16="http://schemas.microsoft.com/office/drawing/2014/main" id="{E2A99F3F-AE32-860C-F826-94B764359AEB}"/>
+                <a16:creationId xmlns:a16="http://schemas.microsoft.com/office/drawing/2014/main" id="{65A9BEB8-ED59-958F-C38C-1B5CBE9911FE}"/>
               </a:ext>
             </a:extLst>
           </p:cNvPr>
@@ -580,7 +580,7 @@
           <p:cNvPr id="3" name="竖排文字占位符 2">
             <a:extLst>
               <a:ext uri="{FF2B5EF4-FFF2-40B4-BE49-F238E27FC236}">
-                <a16:creationId xmlns:a16="http://schemas.microsoft.com/office/drawing/2014/main" id="{56AD8826-CE87-B0AD-EF84-03B03B45BCE8}"/>
+                <a16:creationId xmlns:a16="http://schemas.microsoft.com/office/drawing/2014/main" id="{7C36AFD7-33C1-33CE-76DF-4E20000C4803}"/>
               </a:ext>
             </a:extLst>
           </p:cNvPr>
@@ -642,7 +642,7 @@
           <p:cNvPr id="4" name="日期占位符 3">
             <a:extLst>
               <a:ext uri="{FF2B5EF4-FFF2-40B4-BE49-F238E27FC236}">
-                <a16:creationId xmlns:a16="http://schemas.microsoft.com/office/drawing/2014/main" id="{1A59F22E-2FE3-F13C-C8E7-38E24225A901}"/>
+                <a16:creationId xmlns:a16="http://schemas.microsoft.com/office/drawing/2014/main" id="{21033B56-709E-002B-B9EA-5AA8ADB1A76A}"/>
               </a:ext>
             </a:extLst>
           </p:cNvPr>
@@ -658,7 +658,7 @@
           <a:bodyPr/>
           <a:lstStyle/>
           <a:p>
-            <a:fld id="{221E2B2E-A85B-4B8F-BCA8-F643A73CDCAF}" type="datetimeFigureOut">
+            <a:fld id="{9558D693-AD6A-4CC5-B11D-6B31046D8E3E}" type="datetimeFigureOut">
               <a:rPr lang="zh-CN" altLang="en-US" smtClean="0"/>
               <a:t>2024/3/10</a:t>
             </a:fld>
@@ -671,7 +671,7 @@
           <p:cNvPr id="5" name="页脚占位符 4">
             <a:extLst>
               <a:ext uri="{FF2B5EF4-FFF2-40B4-BE49-F238E27FC236}">
-                <a16:creationId xmlns:a16="http://schemas.microsoft.com/office/drawing/2014/main" id="{F1BA4FCF-91CE-F15C-7C9F-11BE41556996}"/>
+                <a16:creationId xmlns:a16="http://schemas.microsoft.com/office/drawing/2014/main" id="{BCD22974-FCBB-F45B-03AC-CADE9A0B71AD}"/>
               </a:ext>
             </a:extLst>
           </p:cNvPr>
@@ -696,7 +696,7 @@
           <p:cNvPr id="6" name="灯片编号占位符 5">
             <a:extLst>
               <a:ext uri="{FF2B5EF4-FFF2-40B4-BE49-F238E27FC236}">
-                <a16:creationId xmlns:a16="http://schemas.microsoft.com/office/drawing/2014/main" id="{211E82CA-2F23-AA27-72B2-EF93E371C4C8}"/>
+                <a16:creationId xmlns:a16="http://schemas.microsoft.com/office/drawing/2014/main" id="{6BEB7E39-44F3-6299-7A56-0A822A9AB906}"/>
               </a:ext>
             </a:extLst>
           </p:cNvPr>
@@ -712,7 +712,7 @@
           <a:bodyPr/>
           <a:lstStyle/>
           <a:p>
-            <a:fld id="{73F345B1-6DF5-451C-9502-6DE486C02A3C}" type="slidenum">
+            <a:fld id="{53AFA440-568E-453D-8B85-F325C80BC927}" type="slidenum">
               <a:rPr lang="zh-CN" altLang="en-US" smtClean="0"/>
               <a:t>‹#›</a:t>
             </a:fld>
@@ -723,7 +723,7 @@
     </p:spTree>
     <p:extLst>
       <p:ext uri="{BB962C8B-B14F-4D97-AF65-F5344CB8AC3E}">
-        <p14:creationId xmlns:p14="http://schemas.microsoft.com/office/powerpoint/2010/main" val="3840930474"/>
+        <p14:creationId xmlns:p14="http://schemas.microsoft.com/office/powerpoint/2010/main" val="1126410955"/>
       </p:ext>
     </p:extLst>
   </p:cSld>
@@ -755,7 +755,7 @@
           <p:cNvPr id="2" name="标题 1">
             <a:extLst>
               <a:ext uri="{FF2B5EF4-FFF2-40B4-BE49-F238E27FC236}">
-                <a16:creationId xmlns:a16="http://schemas.microsoft.com/office/drawing/2014/main" id="{E1300C87-6B53-A29B-5CCA-52462114F93B}"/>
+                <a16:creationId xmlns:a16="http://schemas.microsoft.com/office/drawing/2014/main" id="{A4AC3537-39F1-6EB2-4E3D-9B89B30246D8}"/>
               </a:ext>
             </a:extLst>
           </p:cNvPr>
@@ -783,7 +783,7 @@
           <p:cNvPr id="3" name="内容占位符 2">
             <a:extLst>
               <a:ext uri="{FF2B5EF4-FFF2-40B4-BE49-F238E27FC236}">
-                <a16:creationId xmlns:a16="http://schemas.microsoft.com/office/drawing/2014/main" id="{C79E15D7-C226-A412-1B7E-60648FAD9655}"/>
+                <a16:creationId xmlns:a16="http://schemas.microsoft.com/office/drawing/2014/main" id="{73E07956-E57F-BE0E-BFDF-53A6DE948CFF}"/>
               </a:ext>
             </a:extLst>
           </p:cNvPr>
@@ -840,7 +840,7 @@
           <p:cNvPr id="4" name="日期占位符 3">
             <a:extLst>
               <a:ext uri="{FF2B5EF4-FFF2-40B4-BE49-F238E27FC236}">
-                <a16:creationId xmlns:a16="http://schemas.microsoft.com/office/drawing/2014/main" id="{D572A10F-D973-6662-BD23-D255A81A2415}"/>
+                <a16:creationId xmlns:a16="http://schemas.microsoft.com/office/drawing/2014/main" id="{6C72BA3D-61AB-720C-601C-F384E75B65BD}"/>
               </a:ext>
             </a:extLst>
           </p:cNvPr>
@@ -856,7 +856,7 @@
           <a:bodyPr/>
           <a:lstStyle/>
           <a:p>
-            <a:fld id="{221E2B2E-A85B-4B8F-BCA8-F643A73CDCAF}" type="datetimeFigureOut">
+            <a:fld id="{9558D693-AD6A-4CC5-B11D-6B31046D8E3E}" type="datetimeFigureOut">
               <a:rPr lang="zh-CN" altLang="en-US" smtClean="0"/>
               <a:t>2024/3/10</a:t>
             </a:fld>
@@ -869,7 +869,7 @@
           <p:cNvPr id="5" name="页脚占位符 4">
             <a:extLst>
               <a:ext uri="{FF2B5EF4-FFF2-40B4-BE49-F238E27FC236}">
-                <a16:creationId xmlns:a16="http://schemas.microsoft.com/office/drawing/2014/main" id="{35C289AF-B1FA-799E-0A52-94E9480B9B00}"/>
+                <a16:creationId xmlns:a16="http://schemas.microsoft.com/office/drawing/2014/main" id="{B61798BB-2535-664F-B9F6-5F23C9B05C8E}"/>
               </a:ext>
             </a:extLst>
           </p:cNvPr>
@@ -894,7 +894,7 @@
           <p:cNvPr id="6" name="灯片编号占位符 5">
             <a:extLst>
               <a:ext uri="{FF2B5EF4-FFF2-40B4-BE49-F238E27FC236}">
-                <a16:creationId xmlns:a16="http://schemas.microsoft.com/office/drawing/2014/main" id="{DADFA2DA-7305-2A6B-1041-BF9EC55D5437}"/>
+                <a16:creationId xmlns:a16="http://schemas.microsoft.com/office/drawing/2014/main" id="{772233E3-893A-4611-47C4-D7BF2E8B9BEA}"/>
               </a:ext>
             </a:extLst>
           </p:cNvPr>
@@ -910,7 +910,7 @@
           <a:bodyPr/>
           <a:lstStyle/>
           <a:p>
-            <a:fld id="{73F345B1-6DF5-451C-9502-6DE486C02A3C}" type="slidenum">
+            <a:fld id="{53AFA440-568E-453D-8B85-F325C80BC927}" type="slidenum">
               <a:rPr lang="zh-CN" altLang="en-US" smtClean="0"/>
               <a:t>‹#›</a:t>
             </a:fld>
@@ -921,7 +921,7 @@
     </p:spTree>
     <p:extLst>
       <p:ext uri="{BB962C8B-B14F-4D97-AF65-F5344CB8AC3E}">
-        <p14:creationId xmlns:p14="http://schemas.microsoft.com/office/powerpoint/2010/main" val="3940338029"/>
+        <p14:creationId xmlns:p14="http://schemas.microsoft.com/office/powerpoint/2010/main" val="2299734912"/>
       </p:ext>
     </p:extLst>
   </p:cSld>
@@ -953,7 +953,7 @@
           <p:cNvPr id="2" name="标题 1">
             <a:extLst>
               <a:ext uri="{FF2B5EF4-FFF2-40B4-BE49-F238E27FC236}">
-                <a16:creationId xmlns:a16="http://schemas.microsoft.com/office/drawing/2014/main" id="{0142B83A-3371-F48B-8379-FDA6E08B537D}"/>
+                <a16:creationId xmlns:a16="http://schemas.microsoft.com/office/drawing/2014/main" id="{E6FFF04F-E18C-034D-E698-4F95FE5BD599}"/>
               </a:ext>
             </a:extLst>
           </p:cNvPr>
@@ -990,7 +990,7 @@
           <p:cNvPr id="3" name="文本占位符 2">
             <a:extLst>
               <a:ext uri="{FF2B5EF4-FFF2-40B4-BE49-F238E27FC236}">
-                <a16:creationId xmlns:a16="http://schemas.microsoft.com/office/drawing/2014/main" id="{9BDC7C30-8195-8325-3E6F-700E8EC90EE5}"/>
+                <a16:creationId xmlns:a16="http://schemas.microsoft.com/office/drawing/2014/main" id="{9F94C395-9BED-0A8E-E1F5-4AEE5A9A8DAD}"/>
               </a:ext>
             </a:extLst>
           </p:cNvPr>
@@ -1115,7 +1115,7 @@
           <p:cNvPr id="4" name="日期占位符 3">
             <a:extLst>
               <a:ext uri="{FF2B5EF4-FFF2-40B4-BE49-F238E27FC236}">
-                <a16:creationId xmlns:a16="http://schemas.microsoft.com/office/drawing/2014/main" id="{D30FBF0E-E76C-9DCA-0827-5AEB221D6C39}"/>
+                <a16:creationId xmlns:a16="http://schemas.microsoft.com/office/drawing/2014/main" id="{15B8C199-C720-240F-A405-3809D294572C}"/>
               </a:ext>
             </a:extLst>
           </p:cNvPr>
@@ -1131,7 +1131,7 @@
           <a:bodyPr/>
           <a:lstStyle/>
           <a:p>
-            <a:fld id="{221E2B2E-A85B-4B8F-BCA8-F643A73CDCAF}" type="datetimeFigureOut">
+            <a:fld id="{9558D693-AD6A-4CC5-B11D-6B31046D8E3E}" type="datetimeFigureOut">
               <a:rPr lang="zh-CN" altLang="en-US" smtClean="0"/>
               <a:t>2024/3/10</a:t>
             </a:fld>
@@ -1144,7 +1144,7 @@
           <p:cNvPr id="5" name="页脚占位符 4">
             <a:extLst>
               <a:ext uri="{FF2B5EF4-FFF2-40B4-BE49-F238E27FC236}">
-                <a16:creationId xmlns:a16="http://schemas.microsoft.com/office/drawing/2014/main" id="{320C924A-C16F-E1A8-AAFA-61BEDA9A04E1}"/>
+                <a16:creationId xmlns:a16="http://schemas.microsoft.com/office/drawing/2014/main" id="{38222C3A-34C5-26A4-C578-C4BE06CCBFD9}"/>
               </a:ext>
             </a:extLst>
           </p:cNvPr>
@@ -1169,7 +1169,7 @@
           <p:cNvPr id="6" name="灯片编号占位符 5">
             <a:extLst>
               <a:ext uri="{FF2B5EF4-FFF2-40B4-BE49-F238E27FC236}">
-                <a16:creationId xmlns:a16="http://schemas.microsoft.com/office/drawing/2014/main" id="{0825D4FD-777D-9E76-9F64-986BF88696BF}"/>
+                <a16:creationId xmlns:a16="http://schemas.microsoft.com/office/drawing/2014/main" id="{AE31A576-D6FA-1726-6705-7302628EA2AB}"/>
               </a:ext>
             </a:extLst>
           </p:cNvPr>
@@ -1185,7 +1185,7 @@
           <a:bodyPr/>
           <a:lstStyle/>
           <a:p>
-            <a:fld id="{73F345B1-6DF5-451C-9502-6DE486C02A3C}" type="slidenum">
+            <a:fld id="{53AFA440-568E-453D-8B85-F325C80BC927}" type="slidenum">
               <a:rPr lang="zh-CN" altLang="en-US" smtClean="0"/>
               <a:t>‹#›</a:t>
             </a:fld>
@@ -1196,7 +1196,7 @@
     </p:spTree>
     <p:extLst>
       <p:ext uri="{BB962C8B-B14F-4D97-AF65-F5344CB8AC3E}">
-        <p14:creationId xmlns:p14="http://schemas.microsoft.com/office/powerpoint/2010/main" val="3710679643"/>
+        <p14:creationId xmlns:p14="http://schemas.microsoft.com/office/powerpoint/2010/main" val="2517240781"/>
       </p:ext>
     </p:extLst>
   </p:cSld>
@@ -1228,7 +1228,7 @@
           <p:cNvPr id="2" name="标题 1">
             <a:extLst>
               <a:ext uri="{FF2B5EF4-FFF2-40B4-BE49-F238E27FC236}">
-                <a16:creationId xmlns:a16="http://schemas.microsoft.com/office/drawing/2014/main" id="{7E0659E6-4A7E-6AD1-12D7-7BA7511AFEE0}"/>
+                <a16:creationId xmlns:a16="http://schemas.microsoft.com/office/drawing/2014/main" id="{9529EA73-EC2E-59C3-5588-C2D9E162DC6C}"/>
               </a:ext>
             </a:extLst>
           </p:cNvPr>
@@ -1256,7 +1256,7 @@
           <p:cNvPr id="3" name="内容占位符 2">
             <a:extLst>
               <a:ext uri="{FF2B5EF4-FFF2-40B4-BE49-F238E27FC236}">
-                <a16:creationId xmlns:a16="http://schemas.microsoft.com/office/drawing/2014/main" id="{2D79F270-315A-852B-A9EB-0EE0532D98B6}"/>
+                <a16:creationId xmlns:a16="http://schemas.microsoft.com/office/drawing/2014/main" id="{05C2D878-D527-0D98-0101-A33E01E75E25}"/>
               </a:ext>
             </a:extLst>
           </p:cNvPr>
@@ -1318,7 +1318,7 @@
           <p:cNvPr id="4" name="内容占位符 3">
             <a:extLst>
               <a:ext uri="{FF2B5EF4-FFF2-40B4-BE49-F238E27FC236}">
-                <a16:creationId xmlns:a16="http://schemas.microsoft.com/office/drawing/2014/main" id="{16B02ECA-4051-ECBD-BA34-2297CD5BA90C}"/>
+                <a16:creationId xmlns:a16="http://schemas.microsoft.com/office/drawing/2014/main" id="{88907E70-FE58-8D35-5C01-897EFDB3155D}"/>
               </a:ext>
             </a:extLst>
           </p:cNvPr>
@@ -1380,7 +1380,7 @@
           <p:cNvPr id="5" name="日期占位符 4">
             <a:extLst>
               <a:ext uri="{FF2B5EF4-FFF2-40B4-BE49-F238E27FC236}">
-                <a16:creationId xmlns:a16="http://schemas.microsoft.com/office/drawing/2014/main" id="{54A51364-B078-8DA2-3253-C522C14AD7C0}"/>
+                <a16:creationId xmlns:a16="http://schemas.microsoft.com/office/drawing/2014/main" id="{9E5A8790-3986-CF32-EF1B-E85FB5B3D774}"/>
               </a:ext>
             </a:extLst>
           </p:cNvPr>
@@ -1396,7 +1396,7 @@
           <a:bodyPr/>
           <a:lstStyle/>
           <a:p>
-            <a:fld id="{221E2B2E-A85B-4B8F-BCA8-F643A73CDCAF}" type="datetimeFigureOut">
+            <a:fld id="{9558D693-AD6A-4CC5-B11D-6B31046D8E3E}" type="datetimeFigureOut">
               <a:rPr lang="zh-CN" altLang="en-US" smtClean="0"/>
               <a:t>2024/3/10</a:t>
             </a:fld>
@@ -1409,7 +1409,7 @@
           <p:cNvPr id="6" name="页脚占位符 5">
             <a:extLst>
               <a:ext uri="{FF2B5EF4-FFF2-40B4-BE49-F238E27FC236}">
-                <a16:creationId xmlns:a16="http://schemas.microsoft.com/office/drawing/2014/main" id="{1E0942AA-E72E-868F-78B3-B077723C7A49}"/>
+                <a16:creationId xmlns:a16="http://schemas.microsoft.com/office/drawing/2014/main" id="{5B777555-5627-A642-BD64-042E9DBF004C}"/>
               </a:ext>
             </a:extLst>
           </p:cNvPr>
@@ -1434,7 +1434,7 @@
           <p:cNvPr id="7" name="灯片编号占位符 6">
             <a:extLst>
               <a:ext uri="{FF2B5EF4-FFF2-40B4-BE49-F238E27FC236}">
-                <a16:creationId xmlns:a16="http://schemas.microsoft.com/office/drawing/2014/main" id="{A64E2D77-E3C3-42F6-9075-78C5D7D27F81}"/>
+                <a16:creationId xmlns:a16="http://schemas.microsoft.com/office/drawing/2014/main" id="{17F4977B-FDA0-85B6-11EC-43DC90D18A83}"/>
               </a:ext>
             </a:extLst>
           </p:cNvPr>
@@ -1450,7 +1450,7 @@
           <a:bodyPr/>
           <a:lstStyle/>
           <a:p>
-            <a:fld id="{73F345B1-6DF5-451C-9502-6DE486C02A3C}" type="slidenum">
+            <a:fld id="{53AFA440-568E-453D-8B85-F325C80BC927}" type="slidenum">
               <a:rPr lang="zh-CN" altLang="en-US" smtClean="0"/>
               <a:t>‹#›</a:t>
             </a:fld>
@@ -1461,7 +1461,7 @@
     </p:spTree>
     <p:extLst>
       <p:ext uri="{BB962C8B-B14F-4D97-AF65-F5344CB8AC3E}">
-        <p14:creationId xmlns:p14="http://schemas.microsoft.com/office/powerpoint/2010/main" val="1661539545"/>
+        <p14:creationId xmlns:p14="http://schemas.microsoft.com/office/powerpoint/2010/main" val="3332091827"/>
       </p:ext>
     </p:extLst>
   </p:cSld>
@@ -1493,7 +1493,7 @@
           <p:cNvPr id="2" name="标题 1">
             <a:extLst>
               <a:ext uri="{FF2B5EF4-FFF2-40B4-BE49-F238E27FC236}">
-                <a16:creationId xmlns:a16="http://schemas.microsoft.com/office/drawing/2014/main" id="{C9118F7F-2B4B-A8EA-C455-1FA4B115DD4D}"/>
+                <a16:creationId xmlns:a16="http://schemas.microsoft.com/office/drawing/2014/main" id="{9B34A0FA-B961-A4EC-CE44-DDEFDC62BDEA}"/>
               </a:ext>
             </a:extLst>
           </p:cNvPr>
@@ -1526,7 +1526,7 @@
           <p:cNvPr id="3" name="文本占位符 2">
             <a:extLst>
               <a:ext uri="{FF2B5EF4-FFF2-40B4-BE49-F238E27FC236}">
-                <a16:creationId xmlns:a16="http://schemas.microsoft.com/office/drawing/2014/main" id="{E1D5DCC5-2C1D-87C9-566C-56024641AC81}"/>
+                <a16:creationId xmlns:a16="http://schemas.microsoft.com/office/drawing/2014/main" id="{8F63470F-CA45-D395-84F0-08CC816C3ABA}"/>
               </a:ext>
             </a:extLst>
           </p:cNvPr>
@@ -1597,7 +1597,7 @@
           <p:cNvPr id="4" name="内容占位符 3">
             <a:extLst>
               <a:ext uri="{FF2B5EF4-FFF2-40B4-BE49-F238E27FC236}">
-                <a16:creationId xmlns:a16="http://schemas.microsoft.com/office/drawing/2014/main" id="{CE0FC08F-CA34-9C9E-BB99-32309E352ABF}"/>
+                <a16:creationId xmlns:a16="http://schemas.microsoft.com/office/drawing/2014/main" id="{7DE9BFD3-3A7D-20F5-B7D5-5CA04BF77CAB}"/>
               </a:ext>
             </a:extLst>
           </p:cNvPr>
@@ -1659,7 +1659,7 @@
           <p:cNvPr id="5" name="文本占位符 4">
             <a:extLst>
               <a:ext uri="{FF2B5EF4-FFF2-40B4-BE49-F238E27FC236}">
-                <a16:creationId xmlns:a16="http://schemas.microsoft.com/office/drawing/2014/main" id="{1716EA77-9399-71AD-E83C-43434F983444}"/>
+                <a16:creationId xmlns:a16="http://schemas.microsoft.com/office/drawing/2014/main" id="{93E66EC0-D7F4-8773-A8A1-F31636594270}"/>
               </a:ext>
             </a:extLst>
           </p:cNvPr>
@@ -1730,7 +1730,7 @@
           <p:cNvPr id="6" name="内容占位符 5">
             <a:extLst>
               <a:ext uri="{FF2B5EF4-FFF2-40B4-BE49-F238E27FC236}">
-                <a16:creationId xmlns:a16="http://schemas.microsoft.com/office/drawing/2014/main" id="{C64247A0-7FA0-88A4-B0A8-78FBCDE682F3}"/>
+                <a16:creationId xmlns:a16="http://schemas.microsoft.com/office/drawing/2014/main" id="{750EB8AA-54BB-EEC5-C0D8-F3960665B6C8}"/>
               </a:ext>
             </a:extLst>
           </p:cNvPr>
@@ -1792,7 +1792,7 @@
           <p:cNvPr id="7" name="日期占位符 6">
             <a:extLst>
               <a:ext uri="{FF2B5EF4-FFF2-40B4-BE49-F238E27FC236}">
-                <a16:creationId xmlns:a16="http://schemas.microsoft.com/office/drawing/2014/main" id="{E6D20EDF-E918-DEA9-6557-DFED00A2C061}"/>
+                <a16:creationId xmlns:a16="http://schemas.microsoft.com/office/drawing/2014/main" id="{2A8A80EC-C9E3-082A-A204-C3D1EB886310}"/>
               </a:ext>
             </a:extLst>
           </p:cNvPr>
@@ -1808,7 +1808,7 @@
           <a:bodyPr/>
           <a:lstStyle/>
           <a:p>
-            <a:fld id="{221E2B2E-A85B-4B8F-BCA8-F643A73CDCAF}" type="datetimeFigureOut">
+            <a:fld id="{9558D693-AD6A-4CC5-B11D-6B31046D8E3E}" type="datetimeFigureOut">
               <a:rPr lang="zh-CN" altLang="en-US" smtClean="0"/>
               <a:t>2024/3/10</a:t>
             </a:fld>
@@ -1821,7 +1821,7 @@
           <p:cNvPr id="8" name="页脚占位符 7">
             <a:extLst>
               <a:ext uri="{FF2B5EF4-FFF2-40B4-BE49-F238E27FC236}">
-                <a16:creationId xmlns:a16="http://schemas.microsoft.com/office/drawing/2014/main" id="{E1D8E202-879C-0F04-F4A0-ADE5DAA4FD9A}"/>
+                <a16:creationId xmlns:a16="http://schemas.microsoft.com/office/drawing/2014/main" id="{87B95467-F016-7E85-CCA1-784962C5206D}"/>
               </a:ext>
             </a:extLst>
           </p:cNvPr>
@@ -1846,7 +1846,7 @@
           <p:cNvPr id="9" name="灯片编号占位符 8">
             <a:extLst>
               <a:ext uri="{FF2B5EF4-FFF2-40B4-BE49-F238E27FC236}">
-                <a16:creationId xmlns:a16="http://schemas.microsoft.com/office/drawing/2014/main" id="{772C04AE-A8AA-B8E3-B4C3-50E90887BE3B}"/>
+                <a16:creationId xmlns:a16="http://schemas.microsoft.com/office/drawing/2014/main" id="{F03AD2E0-1A71-1C45-4ED2-ACF3C9476C09}"/>
               </a:ext>
             </a:extLst>
           </p:cNvPr>
@@ -1862,7 +1862,7 @@
           <a:bodyPr/>
           <a:lstStyle/>
           <a:p>
-            <a:fld id="{73F345B1-6DF5-451C-9502-6DE486C02A3C}" type="slidenum">
+            <a:fld id="{53AFA440-568E-453D-8B85-F325C80BC927}" type="slidenum">
               <a:rPr lang="zh-CN" altLang="en-US" smtClean="0"/>
               <a:t>‹#›</a:t>
             </a:fld>
@@ -1873,7 +1873,7 @@
     </p:spTree>
     <p:extLst>
       <p:ext uri="{BB962C8B-B14F-4D97-AF65-F5344CB8AC3E}">
-        <p14:creationId xmlns:p14="http://schemas.microsoft.com/office/powerpoint/2010/main" val="1150537301"/>
+        <p14:creationId xmlns:p14="http://schemas.microsoft.com/office/powerpoint/2010/main" val="1416900483"/>
       </p:ext>
     </p:extLst>
   </p:cSld>
@@ -1905,7 +1905,7 @@
           <p:cNvPr id="2" name="标题 1">
             <a:extLst>
               <a:ext uri="{FF2B5EF4-FFF2-40B4-BE49-F238E27FC236}">
-                <a16:creationId xmlns:a16="http://schemas.microsoft.com/office/drawing/2014/main" id="{B9A76D6B-5316-4F87-8D45-0B01F84A5476}"/>
+                <a16:creationId xmlns:a16="http://schemas.microsoft.com/office/drawing/2014/main" id="{A3ABE3A5-32BB-5C73-A97C-A23EBC515619}"/>
               </a:ext>
             </a:extLst>
           </p:cNvPr>
@@ -1933,7 +1933,7 @@
           <p:cNvPr id="3" name="日期占位符 2">
             <a:extLst>
               <a:ext uri="{FF2B5EF4-FFF2-40B4-BE49-F238E27FC236}">
-                <a16:creationId xmlns:a16="http://schemas.microsoft.com/office/drawing/2014/main" id="{40DDE843-821A-0262-2897-2D45E2B5AE09}"/>
+                <a16:creationId xmlns:a16="http://schemas.microsoft.com/office/drawing/2014/main" id="{14475D37-5FCA-A124-B1AE-248780AF10C2}"/>
               </a:ext>
             </a:extLst>
           </p:cNvPr>
@@ -1949,7 +1949,7 @@
           <a:bodyPr/>
           <a:lstStyle/>
           <a:p>
-            <a:fld id="{221E2B2E-A85B-4B8F-BCA8-F643A73CDCAF}" type="datetimeFigureOut">
+            <a:fld id="{9558D693-AD6A-4CC5-B11D-6B31046D8E3E}" type="datetimeFigureOut">
               <a:rPr lang="zh-CN" altLang="en-US" smtClean="0"/>
               <a:t>2024/3/10</a:t>
             </a:fld>
@@ -1962,7 +1962,7 @@
           <p:cNvPr id="4" name="页脚占位符 3">
             <a:extLst>
               <a:ext uri="{FF2B5EF4-FFF2-40B4-BE49-F238E27FC236}">
-                <a16:creationId xmlns:a16="http://schemas.microsoft.com/office/drawing/2014/main" id="{CCDB8610-C7BD-3D96-3FAF-2C5832FD5D49}"/>
+                <a16:creationId xmlns:a16="http://schemas.microsoft.com/office/drawing/2014/main" id="{98708258-2F87-4B66-C0F9-BB3D33CDF414}"/>
               </a:ext>
             </a:extLst>
           </p:cNvPr>
@@ -1987,7 +1987,7 @@
           <p:cNvPr id="5" name="灯片编号占位符 4">
             <a:extLst>
               <a:ext uri="{FF2B5EF4-FFF2-40B4-BE49-F238E27FC236}">
-                <a16:creationId xmlns:a16="http://schemas.microsoft.com/office/drawing/2014/main" id="{07DA10D1-0CEB-B4E8-2E4A-1984937E858C}"/>
+                <a16:creationId xmlns:a16="http://schemas.microsoft.com/office/drawing/2014/main" id="{93A8424C-E86B-6C8A-C4CA-12C4C7A7360B}"/>
               </a:ext>
             </a:extLst>
           </p:cNvPr>
@@ -2003,7 +2003,7 @@
           <a:bodyPr/>
           <a:lstStyle/>
           <a:p>
-            <a:fld id="{73F345B1-6DF5-451C-9502-6DE486C02A3C}" type="slidenum">
+            <a:fld id="{53AFA440-568E-453D-8B85-F325C80BC927}" type="slidenum">
               <a:rPr lang="zh-CN" altLang="en-US" smtClean="0"/>
               <a:t>‹#›</a:t>
             </a:fld>
@@ -2014,7 +2014,7 @@
     </p:spTree>
     <p:extLst>
       <p:ext uri="{BB962C8B-B14F-4D97-AF65-F5344CB8AC3E}">
-        <p14:creationId xmlns:p14="http://schemas.microsoft.com/office/powerpoint/2010/main" val="2213712850"/>
+        <p14:creationId xmlns:p14="http://schemas.microsoft.com/office/powerpoint/2010/main" val="352030409"/>
       </p:ext>
     </p:extLst>
   </p:cSld>
@@ -2046,7 +2046,7 @@
           <p:cNvPr id="2" name="日期占位符 1">
             <a:extLst>
               <a:ext uri="{FF2B5EF4-FFF2-40B4-BE49-F238E27FC236}">
-                <a16:creationId xmlns:a16="http://schemas.microsoft.com/office/drawing/2014/main" id="{A3240156-5C9F-30EB-FD1F-1EF441D5A04D}"/>
+                <a16:creationId xmlns:a16="http://schemas.microsoft.com/office/drawing/2014/main" id="{CCA4B262-DD35-96E2-3308-C2FA5CEBEF78}"/>
               </a:ext>
             </a:extLst>
           </p:cNvPr>
@@ -2062,7 +2062,7 @@
           <a:bodyPr/>
           <a:lstStyle/>
           <a:p>
-            <a:fld id="{221E2B2E-A85B-4B8F-BCA8-F643A73CDCAF}" type="datetimeFigureOut">
+            <a:fld id="{9558D693-AD6A-4CC5-B11D-6B31046D8E3E}" type="datetimeFigureOut">
               <a:rPr lang="zh-CN" altLang="en-US" smtClean="0"/>
               <a:t>2024/3/10</a:t>
             </a:fld>
@@ -2075,7 +2075,7 @@
           <p:cNvPr id="3" name="页脚占位符 2">
             <a:extLst>
               <a:ext uri="{FF2B5EF4-FFF2-40B4-BE49-F238E27FC236}">
-                <a16:creationId xmlns:a16="http://schemas.microsoft.com/office/drawing/2014/main" id="{C5C76F3C-9FA5-8917-A973-4170E62789C3}"/>
+                <a16:creationId xmlns:a16="http://schemas.microsoft.com/office/drawing/2014/main" id="{259426C9-C520-748B-836E-03645F5A6EA7}"/>
               </a:ext>
             </a:extLst>
           </p:cNvPr>
@@ -2100,7 +2100,7 @@
           <p:cNvPr id="4" name="灯片编号占位符 3">
             <a:extLst>
               <a:ext uri="{FF2B5EF4-FFF2-40B4-BE49-F238E27FC236}">
-                <a16:creationId xmlns:a16="http://schemas.microsoft.com/office/drawing/2014/main" id="{61428BF8-EAED-A889-DE7C-5986E92451C2}"/>
+                <a16:creationId xmlns:a16="http://schemas.microsoft.com/office/drawing/2014/main" id="{EA4B1FDA-1EC3-EE4F-1C7F-B52719985A47}"/>
               </a:ext>
             </a:extLst>
           </p:cNvPr>
@@ -2116,7 +2116,7 @@
           <a:bodyPr/>
           <a:lstStyle/>
           <a:p>
-            <a:fld id="{73F345B1-6DF5-451C-9502-6DE486C02A3C}" type="slidenum">
+            <a:fld id="{53AFA440-568E-453D-8B85-F325C80BC927}" type="slidenum">
               <a:rPr lang="zh-CN" altLang="en-US" smtClean="0"/>
               <a:t>‹#›</a:t>
             </a:fld>
@@ -2127,7 +2127,7 @@
     </p:spTree>
     <p:extLst>
       <p:ext uri="{BB962C8B-B14F-4D97-AF65-F5344CB8AC3E}">
-        <p14:creationId xmlns:p14="http://schemas.microsoft.com/office/powerpoint/2010/main" val="2571597876"/>
+        <p14:creationId xmlns:p14="http://schemas.microsoft.com/office/powerpoint/2010/main" val="2616646732"/>
       </p:ext>
     </p:extLst>
   </p:cSld>
@@ -2159,7 +2159,7 @@
           <p:cNvPr id="2" name="标题 1">
             <a:extLst>
               <a:ext uri="{FF2B5EF4-FFF2-40B4-BE49-F238E27FC236}">
-                <a16:creationId xmlns:a16="http://schemas.microsoft.com/office/drawing/2014/main" id="{CB8E76EC-956E-A0CA-53A0-E0684EBA878C}"/>
+                <a16:creationId xmlns:a16="http://schemas.microsoft.com/office/drawing/2014/main" id="{66578AAF-76BC-03CC-2C2D-6ECB47346FF2}"/>
               </a:ext>
             </a:extLst>
           </p:cNvPr>
@@ -2196,7 +2196,7 @@
           <p:cNvPr id="3" name="内容占位符 2">
             <a:extLst>
               <a:ext uri="{FF2B5EF4-FFF2-40B4-BE49-F238E27FC236}">
-                <a16:creationId xmlns:a16="http://schemas.microsoft.com/office/drawing/2014/main" id="{F31F87A8-6405-8503-8BC3-CF4F97E0C88C}"/>
+                <a16:creationId xmlns:a16="http://schemas.microsoft.com/office/drawing/2014/main" id="{676344AB-68FB-B160-DD3E-04D5748F47E2}"/>
               </a:ext>
             </a:extLst>
           </p:cNvPr>
@@ -2286,7 +2286,7 @@
           <p:cNvPr id="4" name="文本占位符 3">
             <a:extLst>
               <a:ext uri="{FF2B5EF4-FFF2-40B4-BE49-F238E27FC236}">
-                <a16:creationId xmlns:a16="http://schemas.microsoft.com/office/drawing/2014/main" id="{155CAED1-CEF7-A223-4F3A-4D3890955B8C}"/>
+                <a16:creationId xmlns:a16="http://schemas.microsoft.com/office/drawing/2014/main" id="{ECE8075D-58C3-49FD-0FD4-6B1CFC3CCE5C}"/>
               </a:ext>
             </a:extLst>
           </p:cNvPr>
@@ -2357,7 +2357,7 @@
           <p:cNvPr id="5" name="日期占位符 4">
             <a:extLst>
               <a:ext uri="{FF2B5EF4-FFF2-40B4-BE49-F238E27FC236}">
-                <a16:creationId xmlns:a16="http://schemas.microsoft.com/office/drawing/2014/main" id="{AB5179E4-5079-D78F-A4E1-1D519AB4D668}"/>
+                <a16:creationId xmlns:a16="http://schemas.microsoft.com/office/drawing/2014/main" id="{8C3337B3-CFAB-81DB-1F33-7201F38B185C}"/>
               </a:ext>
             </a:extLst>
           </p:cNvPr>
@@ -2373,7 +2373,7 @@
           <a:bodyPr/>
           <a:lstStyle/>
           <a:p>
-            <a:fld id="{221E2B2E-A85B-4B8F-BCA8-F643A73CDCAF}" type="datetimeFigureOut">
+            <a:fld id="{9558D693-AD6A-4CC5-B11D-6B31046D8E3E}" type="datetimeFigureOut">
               <a:rPr lang="zh-CN" altLang="en-US" smtClean="0"/>
               <a:t>2024/3/10</a:t>
             </a:fld>
@@ -2386,7 +2386,7 @@
           <p:cNvPr id="6" name="页脚占位符 5">
             <a:extLst>
               <a:ext uri="{FF2B5EF4-FFF2-40B4-BE49-F238E27FC236}">
-                <a16:creationId xmlns:a16="http://schemas.microsoft.com/office/drawing/2014/main" id="{923B67E0-31D4-0659-B158-FF58D0F8EB9B}"/>
+                <a16:creationId xmlns:a16="http://schemas.microsoft.com/office/drawing/2014/main" id="{83A0802A-DD77-BE8D-5DE0-391F4E2A65D5}"/>
               </a:ext>
             </a:extLst>
           </p:cNvPr>
@@ -2411,7 +2411,7 @@
           <p:cNvPr id="7" name="灯片编号占位符 6">
             <a:extLst>
               <a:ext uri="{FF2B5EF4-FFF2-40B4-BE49-F238E27FC236}">
-                <a16:creationId xmlns:a16="http://schemas.microsoft.com/office/drawing/2014/main" id="{16F83AA5-1055-0D7C-D3AB-373F84519213}"/>
+                <a16:creationId xmlns:a16="http://schemas.microsoft.com/office/drawing/2014/main" id="{21A8BE31-F771-1B45-12CC-88F55A7241BC}"/>
               </a:ext>
             </a:extLst>
           </p:cNvPr>
@@ -2427,7 +2427,7 @@
           <a:bodyPr/>
           <a:lstStyle/>
           <a:p>
-            <a:fld id="{73F345B1-6DF5-451C-9502-6DE486C02A3C}" type="slidenum">
+            <a:fld id="{53AFA440-568E-453D-8B85-F325C80BC927}" type="slidenum">
               <a:rPr lang="zh-CN" altLang="en-US" smtClean="0"/>
               <a:t>‹#›</a:t>
             </a:fld>
@@ -2438,7 +2438,7 @@
     </p:spTree>
     <p:extLst>
       <p:ext uri="{BB962C8B-B14F-4D97-AF65-F5344CB8AC3E}">
-        <p14:creationId xmlns:p14="http://schemas.microsoft.com/office/powerpoint/2010/main" val="528438509"/>
+        <p14:creationId xmlns:p14="http://schemas.microsoft.com/office/powerpoint/2010/main" val="3260083786"/>
       </p:ext>
     </p:extLst>
   </p:cSld>
@@ -2470,7 +2470,7 @@
           <p:cNvPr id="2" name="标题 1">
             <a:extLst>
               <a:ext uri="{FF2B5EF4-FFF2-40B4-BE49-F238E27FC236}">
-                <a16:creationId xmlns:a16="http://schemas.microsoft.com/office/drawing/2014/main" id="{FFA52C13-639A-6E42-E855-7C0F61CD4C2A}"/>
+                <a16:creationId xmlns:a16="http://schemas.microsoft.com/office/drawing/2014/main" id="{FA33A6E8-6A82-DD26-E53E-3FDADB95F380}"/>
               </a:ext>
             </a:extLst>
           </p:cNvPr>
@@ -2507,7 +2507,7 @@
           <p:cNvPr id="3" name="图片占位符 2">
             <a:extLst>
               <a:ext uri="{FF2B5EF4-FFF2-40B4-BE49-F238E27FC236}">
-                <a16:creationId xmlns:a16="http://schemas.microsoft.com/office/drawing/2014/main" id="{626EF578-A9A9-068F-3946-059D0F36A5A9}"/>
+                <a16:creationId xmlns:a16="http://schemas.microsoft.com/office/drawing/2014/main" id="{1013456E-ABB9-D5AF-CD4E-5E545FA56729}"/>
               </a:ext>
             </a:extLst>
           </p:cNvPr>
@@ -2574,7 +2574,7 @@
           <p:cNvPr id="4" name="文本占位符 3">
             <a:extLst>
               <a:ext uri="{FF2B5EF4-FFF2-40B4-BE49-F238E27FC236}">
-                <a16:creationId xmlns:a16="http://schemas.microsoft.com/office/drawing/2014/main" id="{48747FBD-1FBE-484E-C25D-069369C2ADD1}"/>
+                <a16:creationId xmlns:a16="http://schemas.microsoft.com/office/drawing/2014/main" id="{D101818B-3A92-17F7-675B-0057A5FE2179}"/>
               </a:ext>
             </a:extLst>
           </p:cNvPr>
@@ -2645,7 +2645,7 @@
           <p:cNvPr id="5" name="日期占位符 4">
             <a:extLst>
               <a:ext uri="{FF2B5EF4-FFF2-40B4-BE49-F238E27FC236}">
-                <a16:creationId xmlns:a16="http://schemas.microsoft.com/office/drawing/2014/main" id="{D5A1584C-DBE1-89B1-1D70-37EDD974147A}"/>
+                <a16:creationId xmlns:a16="http://schemas.microsoft.com/office/drawing/2014/main" id="{0679F105-AB1F-54C3-28BB-00663E1D5075}"/>
               </a:ext>
             </a:extLst>
           </p:cNvPr>
@@ -2661,7 +2661,7 @@
           <a:bodyPr/>
           <a:lstStyle/>
           <a:p>
-            <a:fld id="{221E2B2E-A85B-4B8F-BCA8-F643A73CDCAF}" type="datetimeFigureOut">
+            <a:fld id="{9558D693-AD6A-4CC5-B11D-6B31046D8E3E}" type="datetimeFigureOut">
               <a:rPr lang="zh-CN" altLang="en-US" smtClean="0"/>
               <a:t>2024/3/10</a:t>
             </a:fld>
@@ -2674,7 +2674,7 @@
           <p:cNvPr id="6" name="页脚占位符 5">
             <a:extLst>
               <a:ext uri="{FF2B5EF4-FFF2-40B4-BE49-F238E27FC236}">
-                <a16:creationId xmlns:a16="http://schemas.microsoft.com/office/drawing/2014/main" id="{35BB3331-4794-215F-0E61-E080F646E72A}"/>
+                <a16:creationId xmlns:a16="http://schemas.microsoft.com/office/drawing/2014/main" id="{6D9DBA50-4D83-DCE3-EDA7-47DFEF5A6298}"/>
               </a:ext>
             </a:extLst>
           </p:cNvPr>
@@ -2699,7 +2699,7 @@
           <p:cNvPr id="7" name="灯片编号占位符 6">
             <a:extLst>
               <a:ext uri="{FF2B5EF4-FFF2-40B4-BE49-F238E27FC236}">
-                <a16:creationId xmlns:a16="http://schemas.microsoft.com/office/drawing/2014/main" id="{F099669F-8F3C-2EB5-8A99-2F8D84369356}"/>
+                <a16:creationId xmlns:a16="http://schemas.microsoft.com/office/drawing/2014/main" id="{362FF5F8-4A7B-B239-76E6-FE385F38E65B}"/>
               </a:ext>
             </a:extLst>
           </p:cNvPr>
@@ -2715,7 +2715,7 @@
           <a:bodyPr/>
           <a:lstStyle/>
           <a:p>
-            <a:fld id="{73F345B1-6DF5-451C-9502-6DE486C02A3C}" type="slidenum">
+            <a:fld id="{53AFA440-568E-453D-8B85-F325C80BC927}" type="slidenum">
               <a:rPr lang="zh-CN" altLang="en-US" smtClean="0"/>
               <a:t>‹#›</a:t>
             </a:fld>
@@ -2726,7 +2726,7 @@
     </p:spTree>
     <p:extLst>
       <p:ext uri="{BB962C8B-B14F-4D97-AF65-F5344CB8AC3E}">
-        <p14:creationId xmlns:p14="http://schemas.microsoft.com/office/powerpoint/2010/main" val="4292825462"/>
+        <p14:creationId xmlns:p14="http://schemas.microsoft.com/office/powerpoint/2010/main" val="2589465714"/>
       </p:ext>
     </p:extLst>
   </p:cSld>
@@ -2763,7 +2763,7 @@
           <p:cNvPr id="2" name="标题占位符 1">
             <a:extLst>
               <a:ext uri="{FF2B5EF4-FFF2-40B4-BE49-F238E27FC236}">
-                <a16:creationId xmlns:a16="http://schemas.microsoft.com/office/drawing/2014/main" id="{D1609895-AE3D-0FDD-0582-70967AE52D2E}"/>
+                <a16:creationId xmlns:a16="http://schemas.microsoft.com/office/drawing/2014/main" id="{6B60810F-F007-0AC8-4A9B-A917FD25B1FA}"/>
               </a:ext>
             </a:extLst>
           </p:cNvPr>
@@ -2801,7 +2801,7 @@
           <p:cNvPr id="3" name="文本占位符 2">
             <a:extLst>
               <a:ext uri="{FF2B5EF4-FFF2-40B4-BE49-F238E27FC236}">
-                <a16:creationId xmlns:a16="http://schemas.microsoft.com/office/drawing/2014/main" id="{761DC747-9ECA-B235-996B-DD195FA4DA84}"/>
+                <a16:creationId xmlns:a16="http://schemas.microsoft.com/office/drawing/2014/main" id="{B48E2CB3-A5F1-CCF6-07E3-F08F7B0A86EC}"/>
               </a:ext>
             </a:extLst>
           </p:cNvPr>
@@ -2868,7 +2868,7 @@
           <p:cNvPr id="4" name="日期占位符 3">
             <a:extLst>
               <a:ext uri="{FF2B5EF4-FFF2-40B4-BE49-F238E27FC236}">
-                <a16:creationId xmlns:a16="http://schemas.microsoft.com/office/drawing/2014/main" id="{4BB7224E-7ABD-9CBB-442D-86F8622928DE}"/>
+                <a16:creationId xmlns:a16="http://schemas.microsoft.com/office/drawing/2014/main" id="{01AEB1C3-B8D9-59BF-509C-6760E54255BD}"/>
               </a:ext>
             </a:extLst>
           </p:cNvPr>
@@ -2902,7 +2902,7 @@
             </a:lvl1pPr>
           </a:lstStyle>
           <a:p>
-            <a:fld id="{221E2B2E-A85B-4B8F-BCA8-F643A73CDCAF}" type="datetimeFigureOut">
+            <a:fld id="{9558D693-AD6A-4CC5-B11D-6B31046D8E3E}" type="datetimeFigureOut">
               <a:rPr lang="zh-CN" altLang="en-US" smtClean="0"/>
               <a:t>2024/3/10</a:t>
             </a:fld>
@@ -2915,7 +2915,7 @@
           <p:cNvPr id="5" name="页脚占位符 4">
             <a:extLst>
               <a:ext uri="{FF2B5EF4-FFF2-40B4-BE49-F238E27FC236}">
-                <a16:creationId xmlns:a16="http://schemas.microsoft.com/office/drawing/2014/main" id="{080FB7D5-B615-0BE1-7501-C2FBF472B9AE}"/>
+                <a16:creationId xmlns:a16="http://schemas.microsoft.com/office/drawing/2014/main" id="{7137E83C-3DC1-B4A3-77B7-80390C95F14E}"/>
               </a:ext>
             </a:extLst>
           </p:cNvPr>
@@ -2958,7 +2958,7 @@
           <p:cNvPr id="6" name="灯片编号占位符 5">
             <a:extLst>
               <a:ext uri="{FF2B5EF4-FFF2-40B4-BE49-F238E27FC236}">
-                <a16:creationId xmlns:a16="http://schemas.microsoft.com/office/drawing/2014/main" id="{4AD966CE-750B-B5B2-B4AB-13A8CF2F5248}"/>
+                <a16:creationId xmlns:a16="http://schemas.microsoft.com/office/drawing/2014/main" id="{61AE2D55-7140-8313-B744-0A4697D83D84}"/>
               </a:ext>
             </a:extLst>
           </p:cNvPr>
@@ -2992,7 +2992,7 @@
             </a:lvl1pPr>
           </a:lstStyle>
           <a:p>
-            <a:fld id="{73F345B1-6DF5-451C-9502-6DE486C02A3C}" type="slidenum">
+            <a:fld id="{53AFA440-568E-453D-8B85-F325C80BC927}" type="slidenum">
               <a:rPr lang="zh-CN" altLang="en-US" smtClean="0"/>
               <a:t>‹#›</a:t>
             </a:fld>
@@ -3003,7 +3003,7 @@
     </p:spTree>
     <p:extLst>
       <p:ext uri="{BB962C8B-B14F-4D97-AF65-F5344CB8AC3E}">
-        <p14:creationId xmlns:p14="http://schemas.microsoft.com/office/powerpoint/2010/main" val="1880839110"/>
+        <p14:creationId xmlns:p14="http://schemas.microsoft.com/office/powerpoint/2010/main" val="3395667143"/>
       </p:ext>
     </p:extLst>
   </p:cSld>
